--- a/notebooks/output/test.pptx
+++ b/notebooks/output/test.pptx
@@ -3108,6 +3108,9 @@
           <a:bodyPr/>
           <a:lstStyle/>
           <a:p>
+            <a:pPr>
+              <a:defRPr sz="4000"/>
+            </a:pPr>
             <a:r>
               <a:t>abandon</a:t>
             </a:r>
@@ -3181,7 +3184,7 @@
               <a:defRPr sz="2200"/>
             </a:pPr>
             <a:r>
-              <a:t>To abandon means to leave something or someone behind and not come back. It's like when you completely give up on something or walk away from it forever.</a:t>
+              <a:t>To abandon means to leave something or someone behind and not come back. It's like walking away from something and never returning to it.</a:t>
             </a:r>
           </a:p>
         </p:txBody>
@@ -3212,7 +3215,7 @@
               <a:defRPr sz="2200"/>
             </a:pPr>
             <a:r>
-              <a:t>The family found a puppy that someone had abandoned in the park, so they took it home and gave it lots of love and care.</a:t>
+              <a:t>For example, when Tommy saw dark clouds in the sky, he had to abandon his sandcastle on the beach and go home before it started raining.</a:t>
             </a:r>
           </a:p>
         </p:txBody>
